--- a/Documents/timexKubernetes.pptx
+++ b/Documents/timexKubernetes.pptx
@@ -5,10 +5,10 @@
     <p:sldMasterId id="2147483648" r:id="rId1"/>
   </p:sldMasterIdLst>
   <p:notesMasterIdLst>
-    <p:notesMasterId r:id="rId8"/>
+    <p:notesMasterId r:id="rId9"/>
   </p:notesMasterIdLst>
   <p:handoutMasterIdLst>
-    <p:handoutMasterId r:id="rId9"/>
+    <p:handoutMasterId r:id="rId10"/>
   </p:handoutMasterIdLst>
   <p:sldIdLst>
     <p:sldId id="260" r:id="rId3"/>
@@ -16,6 +16,7 @@
     <p:sldId id="257" r:id="rId5"/>
     <p:sldId id="258" r:id="rId6"/>
     <p:sldId id="259" r:id="rId7"/>
+    <p:sldId id="265" r:id="rId8"/>
   </p:sldIdLst>
   <p:sldSz cx="12192000" cy="6858000"/>
   <p:notesSz cx="7103745" cy="10234295"/>
@@ -3858,7 +3859,7 @@
         </p:nvSpPr>
         <p:spPr>
           <a:xfrm>
-            <a:off x="361950" y="358775"/>
+            <a:off x="361950" y="233045"/>
             <a:ext cx="11468100" cy="819785"/>
           </a:xfrm>
         </p:spPr>
@@ -3881,467 +3882,385 @@
           </a:p>
         </p:txBody>
       </p:sp>
-      <p:sp>
-        <p:nvSpPr>
-          <p:cNvPr id="4" name="Rounded Rectangle 3"/>
-          <p:cNvSpPr/>
+      <p:grpSp>
+        <p:nvGrpSpPr>
+          <p:cNvPr id="14" name="Group 13"/>
+          <p:cNvGrpSpPr/>
           <p:nvPr/>
-        </p:nvSpPr>
-        <p:spPr>
+        </p:nvGrpSpPr>
+        <p:grpSpPr>
           <a:xfrm>
-            <a:off x="864235" y="2002790"/>
-            <a:ext cx="2729230" cy="2854325"/>
+            <a:off x="918210" y="1480820"/>
+            <a:ext cx="2729230" cy="1921510"/>
+            <a:chOff x="1446" y="2149"/>
+            <a:chExt cx="4298" cy="3775"/>
           </a:xfrm>
-          <a:prstGeom prst="roundRect">
-            <a:avLst/>
-          </a:prstGeom>
-          <a:solidFill>
-            <a:schemeClr val="accent1">
-              <a:lumMod val="40000"/>
-              <a:lumOff val="60000"/>
-            </a:schemeClr>
-          </a:solidFill>
-          <a:ln w="25400"/>
-        </p:spPr>
-        <p:style>
-          <a:lnRef idx="2">
-            <a:schemeClr val="accent1">
-              <a:shade val="50000"/>
-            </a:schemeClr>
-          </a:lnRef>
-          <a:fillRef idx="1">
-            <a:schemeClr val="accent1"/>
-          </a:fillRef>
-          <a:effectRef idx="0">
-            <a:schemeClr val="accent1"/>
-          </a:effectRef>
-          <a:fontRef idx="minor">
-            <a:schemeClr val="lt1"/>
-          </a:fontRef>
-        </p:style>
-        <p:txBody>
-          <a:bodyPr rtlCol="0" anchor="ctr"/>
-          <a:p>
-            <a:pPr algn="ctr"/>
-            <a:endParaRPr lang="en-US"/>
-          </a:p>
-        </p:txBody>
-      </p:sp>
-      <p:sp>
-        <p:nvSpPr>
-          <p:cNvPr id="7" name="Rounded Rectangle 6"/>
-          <p:cNvSpPr/>
-          <p:nvPr/>
-        </p:nvSpPr>
-        <p:spPr>
-          <a:xfrm>
-            <a:off x="4731385" y="2002155"/>
-            <a:ext cx="2728595" cy="2854325"/>
-          </a:xfrm>
-          <a:prstGeom prst="roundRect">
-            <a:avLst/>
-          </a:prstGeom>
-          <a:solidFill>
-            <a:schemeClr val="accent1">
-              <a:lumMod val="40000"/>
-              <a:lumOff val="60000"/>
-            </a:schemeClr>
-          </a:solidFill>
-          <a:ln w="25400"/>
-        </p:spPr>
-        <p:style>
-          <a:lnRef idx="2">
-            <a:schemeClr val="accent1">
-              <a:shade val="50000"/>
-            </a:schemeClr>
-          </a:lnRef>
-          <a:fillRef idx="1">
-            <a:schemeClr val="accent1"/>
-          </a:fillRef>
-          <a:effectRef idx="0">
-            <a:schemeClr val="accent1"/>
-          </a:effectRef>
-          <a:fontRef idx="minor">
-            <a:schemeClr val="lt1"/>
-          </a:fontRef>
-        </p:style>
-        <p:txBody>
-          <a:bodyPr rtlCol="0" anchor="ctr"/>
-          <a:p>
-            <a:pPr algn="ctr"/>
-            <a:endParaRPr lang="en-US"/>
-          </a:p>
-        </p:txBody>
-      </p:sp>
-      <p:sp>
-        <p:nvSpPr>
-          <p:cNvPr id="8" name="Rounded Rectangle 7"/>
-          <p:cNvSpPr/>
-          <p:nvPr/>
-        </p:nvSpPr>
-        <p:spPr>
-          <a:xfrm>
-            <a:off x="8597900" y="2065655"/>
-            <a:ext cx="2738120" cy="2854325"/>
-          </a:xfrm>
-          <a:prstGeom prst="roundRect">
-            <a:avLst/>
-          </a:prstGeom>
-          <a:solidFill>
-            <a:schemeClr val="accent1">
-              <a:lumMod val="40000"/>
-              <a:lumOff val="60000"/>
-            </a:schemeClr>
-          </a:solidFill>
-          <a:ln w="25400"/>
-        </p:spPr>
-        <p:style>
-          <a:lnRef idx="2">
-            <a:schemeClr val="accent1">
-              <a:shade val="50000"/>
-            </a:schemeClr>
-          </a:lnRef>
-          <a:fillRef idx="1">
-            <a:schemeClr val="accent1"/>
-          </a:fillRef>
-          <a:effectRef idx="0">
-            <a:schemeClr val="accent1"/>
-          </a:effectRef>
-          <a:fontRef idx="minor">
-            <a:schemeClr val="lt1"/>
-          </a:fontRef>
-        </p:style>
-        <p:txBody>
-          <a:bodyPr rtlCol="0" anchor="ctr"/>
-          <a:p>
-            <a:pPr algn="ctr"/>
-            <a:endParaRPr lang="en-US"/>
-          </a:p>
-        </p:txBody>
-      </p:sp>
-      <p:sp>
-        <p:nvSpPr>
-          <p:cNvPr id="9" name="Text Box 8"/>
-          <p:cNvSpPr txBox="1"/>
-          <p:nvPr/>
-        </p:nvSpPr>
-        <p:spPr>
-          <a:xfrm>
-            <a:off x="1505585" y="3245485"/>
-            <a:ext cx="1447165" cy="368300"/>
-          </a:xfrm>
-          <a:prstGeom prst="rect">
-            <a:avLst/>
-          </a:prstGeom>
-          <a:noFill/>
-        </p:spPr>
-        <p:txBody>
-          <a:bodyPr wrap="square" rtlCol="0">
-            <a:spAutoFit/>
-          </a:bodyPr>
-          <a:p>
-            <a:r>
-              <a:rPr lang="en-US">
+        </p:grpSpPr>
+        <p:sp>
+          <p:nvSpPr>
+            <p:cNvPr id="4" name="Rounded Rectangle 3"/>
+            <p:cNvSpPr/>
+            <p:nvPr/>
+          </p:nvSpPr>
+          <p:spPr>
+            <a:xfrm>
+              <a:off x="1446" y="2376"/>
+              <a:ext cx="4298" cy="3548"/>
+            </a:xfrm>
+            <a:prstGeom prst="roundRect">
+              <a:avLst/>
+            </a:prstGeom>
+            <a:solidFill>
+              <a:schemeClr val="accent1">
+                <a:lumMod val="40000"/>
+                <a:lumOff val="60000"/>
+              </a:schemeClr>
+            </a:solidFill>
+            <a:ln w="25400"/>
+          </p:spPr>
+          <p:style>
+            <a:lnRef idx="2">
+              <a:schemeClr val="accent1">
+                <a:shade val="50000"/>
+              </a:schemeClr>
+            </a:lnRef>
+            <a:fillRef idx="1">
+              <a:schemeClr val="accent1"/>
+            </a:fillRef>
+            <a:effectRef idx="0">
+              <a:schemeClr val="accent1"/>
+            </a:effectRef>
+            <a:fontRef idx="minor">
+              <a:schemeClr val="lt1"/>
+            </a:fontRef>
+          </p:style>
+          <p:txBody>
+            <a:bodyPr rtlCol="0" anchor="ctr"/>
+            <a:p>
+              <a:pPr algn="ctr"/>
+              <a:r>
+                <a:rPr lang="en-US">
+                  <a:solidFill>
+                    <a:srgbClr val="FF0000"/>
+                  </a:solidFill>
+                </a:rPr>
+                <a:t>Timex Web App</a:t>
+              </a:r>
+              <a:endParaRPr lang="en-US">
+                <a:solidFill>
+                  <a:srgbClr val="FF0000"/>
+                </a:solidFill>
+              </a:endParaRPr>
+            </a:p>
+          </p:txBody>
+        </p:sp>
+        <p:sp>
+          <p:nvSpPr>
+            <p:cNvPr id="15" name="Text Box 14"/>
+            <p:cNvSpPr txBox="1"/>
+            <p:nvPr/>
+          </p:nvSpPr>
+          <p:spPr>
+            <a:xfrm>
+              <a:off x="2845" y="2149"/>
+              <a:ext cx="1499" cy="724"/>
+            </a:xfrm>
+            <a:prstGeom prst="rect">
+              <a:avLst/>
+            </a:prstGeom>
+            <a:solidFill>
+              <a:schemeClr val="accent1">
+                <a:lumMod val="40000"/>
+                <a:lumOff val="60000"/>
+              </a:schemeClr>
+            </a:solidFill>
+            <a:ln w="25400" cap="rnd">
+              <a:solidFill>
+                <a:schemeClr val="accent1">
+                  <a:lumMod val="75000"/>
+                </a:schemeClr>
+              </a:solidFill>
+              <a:miter lim="800000"/>
+            </a:ln>
+          </p:spPr>
+          <p:txBody>
+            <a:bodyPr wrap="square" rtlCol="0">
+              <a:spAutoFit/>
+            </a:bodyPr>
+            <a:p>
+              <a:r>
+                <a:rPr lang="en-US">
+                  <a:solidFill>
+                    <a:srgbClr val="FF3300"/>
+                  </a:solidFill>
+                </a:rPr>
+                <a:t>POD-1</a:t>
+              </a:r>
+              <a:endParaRPr lang="en-US">
                 <a:solidFill>
                   <a:srgbClr val="FF3300"/>
                 </a:solidFill>
-              </a:rPr>
-              <a:t>Timex-app</a:t>
-            </a:r>
-            <a:endParaRPr lang="en-US">
+              </a:endParaRPr>
+            </a:p>
+          </p:txBody>
+        </p:sp>
+      </p:grpSp>
+      <p:grpSp>
+        <p:nvGrpSpPr>
+          <p:cNvPr id="12" name="Group 11"/>
+          <p:cNvGrpSpPr/>
+          <p:nvPr/>
+        </p:nvGrpSpPr>
+        <p:grpSpPr>
+          <a:xfrm>
+            <a:off x="4785360" y="1480820"/>
+            <a:ext cx="2728595" cy="1921510"/>
+            <a:chOff x="7536" y="2149"/>
+            <a:chExt cx="4297" cy="3775"/>
+          </a:xfrm>
+        </p:grpSpPr>
+        <p:sp>
+          <p:nvSpPr>
+            <p:cNvPr id="7" name="Rounded Rectangle 6"/>
+            <p:cNvSpPr/>
+            <p:nvPr/>
+          </p:nvSpPr>
+          <p:spPr>
+            <a:xfrm>
+              <a:off x="7536" y="2376"/>
+              <a:ext cx="4297" cy="3548"/>
+            </a:xfrm>
+            <a:prstGeom prst="roundRect">
+              <a:avLst/>
+            </a:prstGeom>
+            <a:solidFill>
+              <a:schemeClr val="accent1">
+                <a:lumMod val="40000"/>
+                <a:lumOff val="60000"/>
+              </a:schemeClr>
+            </a:solidFill>
+            <a:ln w="25400"/>
+          </p:spPr>
+          <p:style>
+            <a:lnRef idx="2">
+              <a:schemeClr val="accent1">
+                <a:shade val="50000"/>
+              </a:schemeClr>
+            </a:lnRef>
+            <a:fillRef idx="1">
+              <a:schemeClr val="accent1"/>
+            </a:fillRef>
+            <a:effectRef idx="0">
+              <a:schemeClr val="accent1"/>
+            </a:effectRef>
+            <a:fontRef idx="minor">
+              <a:schemeClr val="lt1"/>
+            </a:fontRef>
+          </p:style>
+          <p:txBody>
+            <a:bodyPr rtlCol="0" anchor="ctr"/>
+            <a:p>
+              <a:pPr algn="ctr"/>
+              <a:r>
+                <a:rPr lang="en-US">
+                  <a:solidFill>
+                    <a:srgbClr val="FF0000"/>
+                  </a:solidFill>
+                </a:rPr>
+                <a:t>Manager - Validator</a:t>
+              </a:r>
+              <a:endParaRPr lang="en-US">
+                <a:solidFill>
+                  <a:srgbClr val="FF0000"/>
+                </a:solidFill>
+              </a:endParaRPr>
+            </a:p>
+          </p:txBody>
+        </p:sp>
+        <p:sp>
+          <p:nvSpPr>
+            <p:cNvPr id="18" name="Text Box 17"/>
+            <p:cNvSpPr txBox="1"/>
+            <p:nvPr/>
+          </p:nvSpPr>
+          <p:spPr>
+            <a:xfrm>
+              <a:off x="8935" y="2149"/>
+              <a:ext cx="1499" cy="724"/>
+            </a:xfrm>
+            <a:prstGeom prst="rect">
+              <a:avLst/>
+            </a:prstGeom>
+            <a:solidFill>
+              <a:schemeClr val="accent1">
+                <a:lumMod val="40000"/>
+                <a:lumOff val="60000"/>
+              </a:schemeClr>
+            </a:solidFill>
+            <a:ln w="25400" cap="flat">
               <a:solidFill>
-                <a:srgbClr val="FF3300"/>
+                <a:schemeClr val="accent1">
+                  <a:lumMod val="75000"/>
+                </a:schemeClr>
               </a:solidFill>
-            </a:endParaRPr>
-          </a:p>
-        </p:txBody>
-      </p:sp>
-      <p:sp>
-        <p:nvSpPr>
-          <p:cNvPr id="10" name="Text Box 9"/>
-          <p:cNvSpPr txBox="1"/>
-          <p:nvPr/>
-        </p:nvSpPr>
-        <p:spPr>
-          <a:xfrm>
-            <a:off x="5094605" y="2830830"/>
-            <a:ext cx="2002155" cy="1198880"/>
-          </a:xfrm>
-          <a:prstGeom prst="rect">
-            <a:avLst/>
-          </a:prstGeom>
-          <a:noFill/>
-        </p:spPr>
-        <p:txBody>
-          <a:bodyPr wrap="square" rtlCol="0">
-            <a:spAutoFit/>
-          </a:bodyPr>
-          <a:p>
-            <a:pPr algn="ctr"/>
-            <a:r>
-              <a:rPr lang="en-US">
+              <a:miter lim="800000"/>
+            </a:ln>
+          </p:spPr>
+          <p:txBody>
+            <a:bodyPr wrap="square" rtlCol="0">
+              <a:spAutoFit/>
+            </a:bodyPr>
+            <a:p>
+              <a:r>
+                <a:rPr lang="en-US">
+                  <a:solidFill>
+                    <a:srgbClr val="FF3300"/>
+                  </a:solidFill>
+                </a:rPr>
+                <a:t>POD-2</a:t>
+              </a:r>
+              <a:endParaRPr lang="en-US">
                 <a:solidFill>
                   <a:srgbClr val="FF3300"/>
                 </a:solidFill>
-              </a:rPr>
-              <a:t>Manager</a:t>
-            </a:r>
-            <a:endParaRPr lang="en-US">
+              </a:endParaRPr>
+            </a:p>
+          </p:txBody>
+        </p:sp>
+      </p:grpSp>
+      <p:grpSp>
+        <p:nvGrpSpPr>
+          <p:cNvPr id="13" name="Group 12"/>
+          <p:cNvGrpSpPr/>
+          <p:nvPr/>
+        </p:nvGrpSpPr>
+        <p:grpSpPr>
+          <a:xfrm>
+            <a:off x="8651875" y="1453515"/>
+            <a:ext cx="2738120" cy="1921510"/>
+            <a:chOff x="13625" y="2149"/>
+            <a:chExt cx="4312" cy="3724"/>
+          </a:xfrm>
+        </p:grpSpPr>
+        <p:sp>
+          <p:nvSpPr>
+            <p:cNvPr id="8" name="Rounded Rectangle 7"/>
+            <p:cNvSpPr/>
+            <p:nvPr/>
+          </p:nvSpPr>
+          <p:spPr>
+            <a:xfrm>
+              <a:off x="13625" y="2426"/>
+              <a:ext cx="4312" cy="3447"/>
+            </a:xfrm>
+            <a:prstGeom prst="roundRect">
+              <a:avLst/>
+            </a:prstGeom>
+            <a:solidFill>
+              <a:schemeClr val="accent1">
+                <a:lumMod val="40000"/>
+                <a:lumOff val="60000"/>
+              </a:schemeClr>
+            </a:solidFill>
+            <a:ln w="25400"/>
+          </p:spPr>
+          <p:style>
+            <a:lnRef idx="2">
+              <a:schemeClr val="accent1">
+                <a:shade val="50000"/>
+              </a:schemeClr>
+            </a:lnRef>
+            <a:fillRef idx="1">
+              <a:schemeClr val="accent1"/>
+            </a:fillRef>
+            <a:effectRef idx="0">
+              <a:schemeClr val="accent1"/>
+            </a:effectRef>
+            <a:fontRef idx="minor">
+              <a:schemeClr val="lt1"/>
+            </a:fontRef>
+          </p:style>
+          <p:txBody>
+            <a:bodyPr rtlCol="0" anchor="ctr"/>
+            <a:p>
+              <a:pPr algn="ctr"/>
+              <a:r>
+                <a:rPr lang="en-US">
+                  <a:solidFill>
+                    <a:srgbClr val="FF0000"/>
+                  </a:solidFill>
+                </a:rPr>
+                <a:t>Timex Predictor</a:t>
+              </a:r>
+              <a:endParaRPr lang="en-US">
+                <a:solidFill>
+                  <a:srgbClr val="FF0000"/>
+                </a:solidFill>
+              </a:endParaRPr>
+            </a:p>
+          </p:txBody>
+        </p:sp>
+        <p:sp>
+          <p:nvSpPr>
+            <p:cNvPr id="19" name="Text Box 18"/>
+            <p:cNvSpPr txBox="1"/>
+            <p:nvPr/>
+          </p:nvSpPr>
+          <p:spPr>
+            <a:xfrm>
+              <a:off x="15031" y="2149"/>
+              <a:ext cx="1499" cy="714"/>
+            </a:xfrm>
+            <a:prstGeom prst="rect">
+              <a:avLst/>
+            </a:prstGeom>
+            <a:solidFill>
+              <a:schemeClr val="accent1">
+                <a:lumMod val="40000"/>
+                <a:lumOff val="60000"/>
+              </a:schemeClr>
+            </a:solidFill>
+            <a:ln w="25400" cap="flat">
               <a:solidFill>
-                <a:srgbClr val="FF3300"/>
+                <a:schemeClr val="accent1">
+                  <a:lumMod val="75000"/>
+                </a:schemeClr>
               </a:solidFill>
-            </a:endParaRPr>
-          </a:p>
-          <a:p>
-            <a:pPr algn="ctr"/>
-            <a:r>
-              <a:rPr lang="en-US">
+              <a:miter lim="800000"/>
+            </a:ln>
+          </p:spPr>
+          <p:txBody>
+            <a:bodyPr wrap="square" rtlCol="0">
+              <a:spAutoFit/>
+            </a:bodyPr>
+            <a:p>
+              <a:r>
+                <a:rPr lang="en-US">
+                  <a:solidFill>
+                    <a:srgbClr val="FF3300"/>
+                  </a:solidFill>
+                </a:rPr>
+                <a:t>POD-4</a:t>
+              </a:r>
+              <a:endParaRPr lang="en-US">
                 <a:solidFill>
                   <a:srgbClr val="FF3300"/>
                 </a:solidFill>
-              </a:rPr>
-              <a:t>Validator</a:t>
-            </a:r>
-            <a:endParaRPr lang="en-US">
-              <a:solidFill>
-                <a:srgbClr val="FF3300"/>
-              </a:solidFill>
-            </a:endParaRPr>
-          </a:p>
-          <a:p>
-            <a:pPr algn="ctr"/>
-            <a:r>
-              <a:rPr lang="en-US">
-                <a:solidFill>
-                  <a:srgbClr val="FF3300"/>
-                </a:solidFill>
-              </a:rPr>
-              <a:t>Ingestion</a:t>
-            </a:r>
-            <a:endParaRPr lang="en-US">
-              <a:solidFill>
-                <a:srgbClr val="FF3300"/>
-              </a:solidFill>
-            </a:endParaRPr>
-          </a:p>
-          <a:p>
-            <a:pPr algn="ctr"/>
-            <a:r>
-              <a:rPr lang="en-US">
-                <a:solidFill>
-                  <a:srgbClr val="FF3300"/>
-                </a:solidFill>
-              </a:rPr>
-              <a:t>(MVI)</a:t>
-            </a:r>
-            <a:endParaRPr lang="en-US">
-              <a:solidFill>
-                <a:srgbClr val="FF3300"/>
-              </a:solidFill>
-            </a:endParaRPr>
-          </a:p>
-        </p:txBody>
-      </p:sp>
-      <p:sp>
-        <p:nvSpPr>
-          <p:cNvPr id="11" name="Text Box 10"/>
-          <p:cNvSpPr txBox="1"/>
-          <p:nvPr/>
-        </p:nvSpPr>
-        <p:spPr>
-          <a:xfrm>
-            <a:off x="8965565" y="3244850"/>
-            <a:ext cx="2002155" cy="368300"/>
-          </a:xfrm>
-          <a:prstGeom prst="rect">
-            <a:avLst/>
-          </a:prstGeom>
-          <a:noFill/>
-        </p:spPr>
-        <p:txBody>
-          <a:bodyPr wrap="square" rtlCol="0">
-            <a:spAutoFit/>
-          </a:bodyPr>
-          <a:p>
-            <a:r>
-              <a:rPr lang="en-US">
-                <a:solidFill>
-                  <a:srgbClr val="FF3300"/>
-                </a:solidFill>
-              </a:rPr>
-              <a:t>Timex-predictor</a:t>
-            </a:r>
-            <a:endParaRPr lang="en-US">
-              <a:solidFill>
-                <a:srgbClr val="FF3300"/>
-              </a:solidFill>
-            </a:endParaRPr>
-          </a:p>
-        </p:txBody>
-      </p:sp>
-      <p:sp>
-        <p:nvSpPr>
-          <p:cNvPr id="15" name="Text Box 14"/>
-          <p:cNvSpPr txBox="1"/>
-          <p:nvPr/>
-        </p:nvSpPr>
-        <p:spPr>
-          <a:xfrm>
-            <a:off x="1752600" y="1858010"/>
-            <a:ext cx="951865" cy="368300"/>
-          </a:xfrm>
-          <a:prstGeom prst="rect">
-            <a:avLst/>
-          </a:prstGeom>
-          <a:solidFill>
-            <a:schemeClr val="accent1">
-              <a:lumMod val="40000"/>
-              <a:lumOff val="60000"/>
-            </a:schemeClr>
-          </a:solidFill>
-          <a:ln w="25400" cap="rnd">
-            <a:solidFill>
-              <a:schemeClr val="accent1">
-                <a:lumMod val="75000"/>
-              </a:schemeClr>
-            </a:solidFill>
-            <a:miter lim="800000"/>
-          </a:ln>
-        </p:spPr>
-        <p:txBody>
-          <a:bodyPr wrap="square" rtlCol="0">
-            <a:spAutoFit/>
-          </a:bodyPr>
-          <a:p>
-            <a:r>
-              <a:rPr lang="en-US">
-                <a:solidFill>
-                  <a:srgbClr val="FF3300"/>
-                </a:solidFill>
-              </a:rPr>
-              <a:t>POD-1</a:t>
-            </a:r>
-            <a:endParaRPr lang="en-US">
-              <a:solidFill>
-                <a:srgbClr val="FF3300"/>
-              </a:solidFill>
-            </a:endParaRPr>
-          </a:p>
-        </p:txBody>
-      </p:sp>
-      <p:sp>
-        <p:nvSpPr>
-          <p:cNvPr id="18" name="Text Box 17"/>
-          <p:cNvSpPr txBox="1"/>
-          <p:nvPr/>
-        </p:nvSpPr>
-        <p:spPr>
-          <a:xfrm>
-            <a:off x="5620385" y="1858010"/>
-            <a:ext cx="951865" cy="368300"/>
-          </a:xfrm>
-          <a:prstGeom prst="rect">
-            <a:avLst/>
-          </a:prstGeom>
-          <a:solidFill>
-            <a:schemeClr val="accent1">
-              <a:lumMod val="40000"/>
-              <a:lumOff val="60000"/>
-            </a:schemeClr>
-          </a:solidFill>
-          <a:ln w="25400" cap="flat">
-            <a:solidFill>
-              <a:schemeClr val="accent1">
-                <a:lumMod val="75000"/>
-              </a:schemeClr>
-            </a:solidFill>
-            <a:miter lim="800000"/>
-          </a:ln>
-        </p:spPr>
-        <p:txBody>
-          <a:bodyPr wrap="square" rtlCol="0">
-            <a:spAutoFit/>
-          </a:bodyPr>
-          <a:p>
-            <a:r>
-              <a:rPr lang="en-US">
-                <a:solidFill>
-                  <a:srgbClr val="FF3300"/>
-                </a:solidFill>
-              </a:rPr>
-              <a:t>POD-2</a:t>
-            </a:r>
-            <a:endParaRPr lang="en-US">
-              <a:solidFill>
-                <a:srgbClr val="FF3300"/>
-              </a:solidFill>
-            </a:endParaRPr>
-          </a:p>
-        </p:txBody>
-      </p:sp>
-      <p:sp>
-        <p:nvSpPr>
-          <p:cNvPr id="19" name="Text Box 18"/>
-          <p:cNvSpPr txBox="1"/>
-          <p:nvPr/>
-        </p:nvSpPr>
-        <p:spPr>
-          <a:xfrm>
-            <a:off x="9490710" y="1858010"/>
-            <a:ext cx="951865" cy="368300"/>
-          </a:xfrm>
-          <a:prstGeom prst="rect">
-            <a:avLst/>
-          </a:prstGeom>
-          <a:solidFill>
-            <a:schemeClr val="accent1">
-              <a:lumMod val="40000"/>
-              <a:lumOff val="60000"/>
-            </a:schemeClr>
-          </a:solidFill>
-          <a:ln w="25400" cap="flat">
-            <a:solidFill>
-              <a:schemeClr val="accent1">
-                <a:lumMod val="75000"/>
-              </a:schemeClr>
-            </a:solidFill>
-            <a:miter lim="800000"/>
-          </a:ln>
-        </p:spPr>
-        <p:txBody>
-          <a:bodyPr wrap="square" rtlCol="0">
-            <a:spAutoFit/>
-          </a:bodyPr>
-          <a:p>
-            <a:r>
-              <a:rPr lang="en-US">
-                <a:solidFill>
-                  <a:srgbClr val="FF3300"/>
-                </a:solidFill>
-              </a:rPr>
-              <a:t>POD-3</a:t>
-            </a:r>
-            <a:endParaRPr lang="en-US">
-              <a:solidFill>
-                <a:srgbClr val="FF3300"/>
-              </a:solidFill>
-            </a:endParaRPr>
-          </a:p>
-        </p:txBody>
-      </p:sp>
+              </a:endParaRPr>
+            </a:p>
+          </p:txBody>
+        </p:sp>
+      </p:grpSp>
       <p:cxnSp>
         <p:nvCxnSpPr>
           <p:cNvPr id="21" name="Straight Arrow Connector 20"/>
-          <p:cNvCxnSpPr>
-            <a:stCxn id="4" idx="3"/>
-            <a:endCxn id="7" idx="1"/>
-          </p:cNvCxnSpPr>
+          <p:cNvCxnSpPr/>
           <p:nvPr/>
         </p:nvCxnSpPr>
         <p:spPr>
-          <a:xfrm flipV="1">
-            <a:off x="3593465" y="3429635"/>
-            <a:ext cx="1137920" cy="635"/>
+          <a:xfrm>
+            <a:off x="3647440" y="2499360"/>
+            <a:ext cx="1137920" cy="0"/>
           </a:xfrm>
           <a:prstGeom prst="straightConnector1">
             <a:avLst/>
@@ -4376,9 +4295,9 @@
           <p:nvPr/>
         </p:nvCxnSpPr>
         <p:spPr>
-          <a:xfrm flipV="1">
-            <a:off x="7459980" y="3492500"/>
-            <a:ext cx="1137920" cy="635"/>
+          <a:xfrm>
+            <a:off x="7513955" y="2499360"/>
+            <a:ext cx="1137920" cy="13970"/>
           </a:xfrm>
           <a:prstGeom prst="straightConnector1">
             <a:avLst/>
@@ -4414,8 +4333,8 @@
         </p:nvSpPr>
         <p:spPr>
           <a:xfrm>
-            <a:off x="1960880" y="5692775"/>
-            <a:ext cx="8270875" cy="368300"/>
+            <a:off x="238760" y="6317615"/>
+            <a:ext cx="3816985" cy="460375"/>
           </a:xfrm>
           <a:prstGeom prst="rect">
             <a:avLst/>
@@ -4423,24 +4342,184 @@
           <a:noFill/>
         </p:spPr>
         <p:txBody>
-          <a:bodyPr wrap="none" rtlCol="0">
+          <a:bodyPr wrap="square" rtlCol="0">
             <a:spAutoFit/>
           </a:bodyPr>
           <a:p>
             <a:r>
-              <a:rPr lang="en-US">
+              <a:rPr lang="en-US" sz="1200">
                 <a:latin typeface="DejaVu Sans" panose="020B0603030804020204" charset="0"/>
                 <a:cs typeface="DejaVu Sans" panose="020B0603030804020204" charset="0"/>
               </a:rPr>
-              <a:t>Different replicas of each pod may be spawned based on the workload</a:t>
-            </a:r>
-            <a:endParaRPr lang="en-US">
+              <a:t>Note: Different replicas of each pod may be spawned based on the workload</a:t>
+            </a:r>
+            <a:endParaRPr lang="en-US" sz="1200">
               <a:latin typeface="DejaVu Sans" panose="020B0603030804020204" charset="0"/>
               <a:cs typeface="DejaVu Sans" panose="020B0603030804020204" charset="0"/>
             </a:endParaRPr>
           </a:p>
         </p:txBody>
       </p:sp>
+      <p:grpSp>
+        <p:nvGrpSpPr>
+          <p:cNvPr id="16" name="Group 15"/>
+          <p:cNvGrpSpPr/>
+          <p:nvPr/>
+        </p:nvGrpSpPr>
+        <p:grpSpPr>
+          <a:xfrm>
+            <a:off x="4785360" y="4596130"/>
+            <a:ext cx="2728595" cy="1837690"/>
+            <a:chOff x="7369" y="2132"/>
+            <a:chExt cx="4297" cy="3792"/>
+          </a:xfrm>
+        </p:grpSpPr>
+        <p:sp>
+          <p:nvSpPr>
+            <p:cNvPr id="17" name="Rounded Rectangle 16"/>
+            <p:cNvSpPr/>
+            <p:nvPr/>
+          </p:nvSpPr>
+          <p:spPr>
+            <a:xfrm>
+              <a:off x="7369" y="2376"/>
+              <a:ext cx="4297" cy="3548"/>
+            </a:xfrm>
+            <a:prstGeom prst="roundRect">
+              <a:avLst/>
+            </a:prstGeom>
+            <a:solidFill>
+              <a:schemeClr val="accent1">
+                <a:lumMod val="40000"/>
+                <a:lumOff val="60000"/>
+              </a:schemeClr>
+            </a:solidFill>
+            <a:ln w="25400"/>
+          </p:spPr>
+          <p:style>
+            <a:lnRef idx="2">
+              <a:schemeClr val="accent1">
+                <a:shade val="50000"/>
+              </a:schemeClr>
+            </a:lnRef>
+            <a:fillRef idx="1">
+              <a:schemeClr val="accent1"/>
+            </a:fillRef>
+            <a:effectRef idx="0">
+              <a:schemeClr val="accent1"/>
+            </a:effectRef>
+            <a:fontRef idx="minor">
+              <a:schemeClr val="lt1"/>
+            </a:fontRef>
+          </p:style>
+          <p:txBody>
+            <a:bodyPr rtlCol="0" anchor="ctr"/>
+            <a:p>
+              <a:pPr algn="ctr"/>
+              <a:r>
+                <a:rPr lang="en-US">
+                  <a:solidFill>
+                    <a:srgbClr val="FF0000"/>
+                  </a:solidFill>
+                </a:rPr>
+                <a:t>Data Ingestion</a:t>
+              </a:r>
+              <a:endParaRPr lang="en-US">
+                <a:solidFill>
+                  <a:srgbClr val="FF0000"/>
+                </a:solidFill>
+              </a:endParaRPr>
+            </a:p>
+          </p:txBody>
+        </p:sp>
+        <p:sp>
+          <p:nvSpPr>
+            <p:cNvPr id="20" name="Text Box 19"/>
+            <p:cNvSpPr txBox="1"/>
+            <p:nvPr/>
+          </p:nvSpPr>
+          <p:spPr>
+            <a:xfrm>
+              <a:off x="8768" y="2132"/>
+              <a:ext cx="1499" cy="760"/>
+            </a:xfrm>
+            <a:prstGeom prst="rect">
+              <a:avLst/>
+            </a:prstGeom>
+            <a:solidFill>
+              <a:schemeClr val="accent1">
+                <a:lumMod val="40000"/>
+                <a:lumOff val="60000"/>
+              </a:schemeClr>
+            </a:solidFill>
+            <a:ln w="25400" cap="flat">
+              <a:solidFill>
+                <a:schemeClr val="accent1">
+                  <a:lumMod val="75000"/>
+                </a:schemeClr>
+              </a:solidFill>
+              <a:miter lim="800000"/>
+            </a:ln>
+          </p:spPr>
+          <p:txBody>
+            <a:bodyPr wrap="square" rtlCol="0">
+              <a:spAutoFit/>
+            </a:bodyPr>
+            <a:p>
+              <a:r>
+                <a:rPr lang="en-US">
+                  <a:solidFill>
+                    <a:srgbClr val="FF3300"/>
+                  </a:solidFill>
+                </a:rPr>
+                <a:t>POD-3</a:t>
+              </a:r>
+              <a:endParaRPr lang="en-US">
+                <a:solidFill>
+                  <a:srgbClr val="FF3300"/>
+                </a:solidFill>
+              </a:endParaRPr>
+            </a:p>
+          </p:txBody>
+        </p:sp>
+      </p:grpSp>
+      <p:cxnSp>
+        <p:nvCxnSpPr>
+          <p:cNvPr id="24" name="Straight Arrow Connector 23"/>
+          <p:cNvCxnSpPr/>
+          <p:nvPr/>
+        </p:nvCxnSpPr>
+        <p:spPr>
+          <a:xfrm>
+            <a:off x="6149975" y="3402330"/>
+            <a:ext cx="0" cy="1193800"/>
+          </a:xfrm>
+          <a:prstGeom prst="straightConnector1">
+            <a:avLst/>
+          </a:prstGeom>
+          <a:ln w="25400">
+            <a:solidFill>
+              <a:srgbClr val="FF3300"/>
+            </a:solidFill>
+            <a:headEnd type="arrow"/>
+            <a:tailEnd type="arrow"/>
+          </a:ln>
+        </p:spPr>
+        <p:style>
+          <a:lnRef idx="1">
+            <a:schemeClr val="accent1"/>
+          </a:lnRef>
+          <a:fillRef idx="0">
+            <a:schemeClr val="accent1"/>
+          </a:fillRef>
+          <a:effectRef idx="0">
+            <a:schemeClr val="accent1"/>
+          </a:effectRef>
+          <a:fontRef idx="minor">
+            <a:schemeClr val="tx1"/>
+          </a:fontRef>
+        </p:style>
+      </p:cxnSp>
     </p:spTree>
   </p:cSld>
   <p:clrMapOvr>
@@ -4502,7 +4581,7 @@
         </p:nvSpPr>
         <p:spPr>
           <a:xfrm>
-            <a:off x="3463290" y="1713865"/>
+            <a:off x="3378835" y="1698625"/>
             <a:ext cx="5433695" cy="4119880"/>
           </a:xfrm>
           <a:prstGeom prst="roundRect">
@@ -4540,54 +4619,6 @@
           </a:p>
         </p:txBody>
       </p:sp>
-      <p:pic>
-        <p:nvPicPr>
-          <p:cNvPr id="3" name="Picture 2"/>
-          <p:cNvPicPr>
-            <a:picLocks noChangeAspect="1"/>
-          </p:cNvPicPr>
-          <p:nvPr/>
-        </p:nvPicPr>
-        <p:blipFill>
-          <a:blip r:embed="rId1"/>
-          <a:stretch>
-            <a:fillRect/>
-          </a:stretch>
-        </p:blipFill>
-        <p:spPr>
-          <a:xfrm>
-            <a:off x="5144135" y="4939665"/>
-            <a:ext cx="930275" cy="666750"/>
-          </a:xfrm>
-          <a:prstGeom prst="rect">
-            <a:avLst/>
-          </a:prstGeom>
-        </p:spPr>
-      </p:pic>
-      <p:pic>
-        <p:nvPicPr>
-          <p:cNvPr id="5" name="Picture 4"/>
-          <p:cNvPicPr>
-            <a:picLocks noChangeAspect="1"/>
-          </p:cNvPicPr>
-          <p:nvPr/>
-        </p:nvPicPr>
-        <p:blipFill>
-          <a:blip r:embed="rId2"/>
-          <a:stretch>
-            <a:fillRect/>
-          </a:stretch>
-        </p:blipFill>
-        <p:spPr>
-          <a:xfrm>
-            <a:off x="6612255" y="4928870"/>
-            <a:ext cx="710565" cy="678180"/>
-          </a:xfrm>
-          <a:prstGeom prst="rect">
-            <a:avLst/>
-          </a:prstGeom>
-        </p:spPr>
-      </p:pic>
       <p:sp>
         <p:nvSpPr>
           <p:cNvPr id="6" name="Rounded Rectangle 5"/>
@@ -4903,6 +4934,54 @@
           </a:fontRef>
         </p:style>
       </p:cxnSp>
+      <p:pic>
+        <p:nvPicPr>
+          <p:cNvPr id="7" name="Picture 6"/>
+          <p:cNvPicPr>
+            <a:picLocks noChangeAspect="1"/>
+          </p:cNvPicPr>
+          <p:nvPr/>
+        </p:nvPicPr>
+        <p:blipFill>
+          <a:blip r:embed="rId1"/>
+          <a:stretch>
+            <a:fillRect/>
+          </a:stretch>
+        </p:blipFill>
+        <p:spPr>
+          <a:xfrm>
+            <a:off x="4921885" y="4918710"/>
+            <a:ext cx="930275" cy="666750"/>
+          </a:xfrm>
+          <a:prstGeom prst="rect">
+            <a:avLst/>
+          </a:prstGeom>
+        </p:spPr>
+      </p:pic>
+      <p:pic>
+        <p:nvPicPr>
+          <p:cNvPr id="8" name="Picture 7"/>
+          <p:cNvPicPr>
+            <a:picLocks noChangeAspect="1"/>
+          </p:cNvPicPr>
+          <p:nvPr/>
+        </p:nvPicPr>
+        <p:blipFill>
+          <a:blip r:embed="rId2"/>
+          <a:stretch>
+            <a:fillRect/>
+          </a:stretch>
+        </p:blipFill>
+        <p:spPr>
+          <a:xfrm>
+            <a:off x="6390005" y="4907915"/>
+            <a:ext cx="710565" cy="678180"/>
+          </a:xfrm>
+          <a:prstGeom prst="rect">
+            <a:avLst/>
+          </a:prstGeom>
+        </p:spPr>
+      </p:pic>
     </p:spTree>
   </p:cSld>
   <p:clrMapOvr>
@@ -4947,7 +5026,7 @@
                 <a:latin typeface="SF Pro" charset="0"/>
                 <a:cs typeface="SF Pro" charset="0"/>
               </a:rPr>
-              <a:t>POD 2: the MVI</a:t>
+              <a:t>POD 2: the manager-validator</a:t>
             </a:r>
             <a:endParaRPr lang="en-US">
               <a:latin typeface="SF Pro" charset="0"/>
@@ -4965,7 +5044,7 @@
         <p:spPr>
           <a:xfrm>
             <a:off x="2613660" y="1324610"/>
-            <a:ext cx="6965315" cy="5191760"/>
+            <a:ext cx="6965315" cy="4626610"/>
           </a:xfrm>
           <a:prstGeom prst="roundRect">
             <a:avLst/>
@@ -5032,54 +5111,6 @@
           </a:p>
         </p:txBody>
       </p:sp>
-      <p:pic>
-        <p:nvPicPr>
-          <p:cNvPr id="3" name="Picture 2"/>
-          <p:cNvPicPr>
-            <a:picLocks noChangeAspect="1"/>
-          </p:cNvPicPr>
-          <p:nvPr/>
-        </p:nvPicPr>
-        <p:blipFill>
-          <a:blip r:embed="rId1"/>
-          <a:stretch>
-            <a:fillRect/>
-          </a:stretch>
-        </p:blipFill>
-        <p:spPr>
-          <a:xfrm>
-            <a:off x="3134360" y="5876925"/>
-            <a:ext cx="588010" cy="421640"/>
-          </a:xfrm>
-          <a:prstGeom prst="rect">
-            <a:avLst/>
-          </a:prstGeom>
-        </p:spPr>
-      </p:pic>
-      <p:pic>
-        <p:nvPicPr>
-          <p:cNvPr id="5" name="Picture 4"/>
-          <p:cNvPicPr>
-            <a:picLocks noChangeAspect="1"/>
-          </p:cNvPicPr>
-          <p:nvPr/>
-        </p:nvPicPr>
-        <p:blipFill>
-          <a:blip r:embed="rId2"/>
-          <a:stretch>
-            <a:fillRect/>
-          </a:stretch>
-        </p:blipFill>
-        <p:spPr>
-          <a:xfrm>
-            <a:off x="3825875" y="5873115"/>
-            <a:ext cx="448945" cy="428625"/>
-          </a:xfrm>
-          <a:prstGeom prst="rect">
-            <a:avLst/>
-          </a:prstGeom>
-        </p:spPr>
-      </p:pic>
       <p:sp>
         <p:nvSpPr>
           <p:cNvPr id="6" name="Rounded Rectangle 5"/>
@@ -5358,13 +5389,13 @@
       </p:sp>
       <p:sp>
         <p:nvSpPr>
-          <p:cNvPr id="7" name="Rounded Rectangle 6"/>
+          <p:cNvPr id="8" name="Rounded Rectangle 7"/>
           <p:cNvSpPr/>
           <p:nvPr/>
         </p:nvSpPr>
         <p:spPr>
           <a:xfrm>
-            <a:off x="4607560" y="1664335"/>
+            <a:off x="4608195" y="1656080"/>
             <a:ext cx="2975610" cy="1089025"/>
           </a:xfrm>
           <a:prstGeom prst="roundRect">
@@ -5409,7 +5440,7 @@
                 <a:latin typeface="Noto Sans Myanmar UI Black" panose="020B0A02040504020204" charset="0"/>
                 <a:cs typeface="Noto Sans Myanmar UI Black" panose="020B0A02040504020204" charset="0"/>
               </a:rPr>
-              <a:t>data_ingestion</a:t>
+              <a:t>validation_server</a:t>
             </a:r>
             <a:endParaRPr lang="en-US" sz="2000" b="1">
               <a:solidFill>
@@ -5447,150 +5478,19 @@
           </a:p>
         </p:txBody>
       </p:sp>
-      <p:sp>
-        <p:nvSpPr>
-          <p:cNvPr id="8" name="Rounded Rectangle 7"/>
-          <p:cNvSpPr/>
-          <p:nvPr/>
-        </p:nvSpPr>
-        <p:spPr>
-          <a:xfrm>
-            <a:off x="4608195" y="5094605"/>
-            <a:ext cx="2975610" cy="1089025"/>
-          </a:xfrm>
-          <a:prstGeom prst="roundRect">
-            <a:avLst/>
-          </a:prstGeom>
-          <a:solidFill>
-            <a:schemeClr val="bg1">
-              <a:lumMod val="85000"/>
-            </a:schemeClr>
-          </a:solidFill>
-          <a:ln>
-            <a:noFill/>
-          </a:ln>
-        </p:spPr>
-        <p:style>
-          <a:lnRef idx="2">
-            <a:schemeClr val="accent1">
-              <a:shade val="50000"/>
-            </a:schemeClr>
-          </a:lnRef>
-          <a:fillRef idx="1">
-            <a:schemeClr val="accent1"/>
-          </a:fillRef>
-          <a:effectRef idx="0">
-            <a:schemeClr val="accent1"/>
-          </a:effectRef>
-          <a:fontRef idx="minor">
-            <a:schemeClr val="lt1"/>
-          </a:fontRef>
-        </p:style>
-        <p:txBody>
-          <a:bodyPr rtlCol="0" anchor="ctr"/>
-          <a:p>
-            <a:pPr algn="ctr"/>
-            <a:r>
-              <a:rPr lang="en-US" sz="2000" b="1">
-                <a:solidFill>
-                  <a:schemeClr val="accent1">
-                    <a:lumMod val="75000"/>
-                  </a:schemeClr>
-                </a:solidFill>
-                <a:latin typeface="Noto Sans Myanmar UI Black" panose="020B0A02040504020204" charset="0"/>
-                <a:cs typeface="Noto Sans Myanmar UI Black" panose="020B0A02040504020204" charset="0"/>
-              </a:rPr>
-              <a:t>validation_server</a:t>
-            </a:r>
-            <a:endParaRPr lang="en-US" sz="2000" b="1">
-              <a:solidFill>
-                <a:schemeClr val="accent1">
-                  <a:lumMod val="75000"/>
-                </a:schemeClr>
-              </a:solidFill>
-              <a:latin typeface="Noto Sans Myanmar UI Black" panose="020B0A02040504020204" charset="0"/>
-              <a:cs typeface="Noto Sans Myanmar UI Black" panose="020B0A02040504020204" charset="0"/>
-            </a:endParaRPr>
-          </a:p>
-          <a:p>
-            <a:pPr algn="ctr"/>
-            <a:r>
-              <a:rPr lang="en-US" sz="2000" b="1">
-                <a:solidFill>
-                  <a:schemeClr val="accent1">
-                    <a:lumMod val="75000"/>
-                  </a:schemeClr>
-                </a:solidFill>
-                <a:latin typeface="Noto Sans Myanmar UI Black" panose="020B0A02040504020204" charset="0"/>
-                <a:cs typeface="Noto Sans Myanmar UI Black" panose="020B0A02040504020204" charset="0"/>
-              </a:rPr>
-              <a:t>Docker Container</a:t>
-            </a:r>
-            <a:endParaRPr lang="en-US" sz="2000" b="1">
-              <a:solidFill>
-                <a:schemeClr val="accent1">
-                  <a:lumMod val="75000"/>
-                </a:schemeClr>
-              </a:solidFill>
-              <a:latin typeface="Noto Sans Myanmar UI Black" panose="020B0A02040504020204" charset="0"/>
-              <a:cs typeface="Noto Sans Myanmar UI Black" panose="020B0A02040504020204" charset="0"/>
-            </a:endParaRPr>
-          </a:p>
-        </p:txBody>
-      </p:sp>
       <p:cxnSp>
         <p:nvCxnSpPr>
-          <p:cNvPr id="11" name="Straight Arrow Connector 10"/>
+          <p:cNvPr id="12" name="Straight Arrow Connector 11"/>
           <p:cNvCxnSpPr>
             <a:stCxn id="22" idx="0"/>
-            <a:endCxn id="7" idx="2"/>
+            <a:endCxn id="8" idx="2"/>
           </p:cNvCxnSpPr>
           <p:nvPr/>
         </p:nvCxnSpPr>
         <p:spPr>
-          <a:xfrm flipH="1" flipV="1">
-            <a:off x="6095365" y="2753360"/>
-            <a:ext cx="635" cy="622300"/>
-          </a:xfrm>
-          <a:prstGeom prst="straightConnector1">
-            <a:avLst/>
-          </a:prstGeom>
-          <a:ln w="25400">
-            <a:solidFill>
-              <a:schemeClr val="tx1"/>
-            </a:solidFill>
-            <a:headEnd type="arrow"/>
-            <a:tailEnd type="arrow"/>
-          </a:ln>
-        </p:spPr>
-        <p:style>
-          <a:lnRef idx="1">
-            <a:schemeClr val="accent1"/>
-          </a:lnRef>
-          <a:fillRef idx="0">
-            <a:schemeClr val="accent1"/>
-          </a:fillRef>
-          <a:effectRef idx="0">
-            <a:schemeClr val="accent1"/>
-          </a:effectRef>
-          <a:fontRef idx="minor">
-            <a:schemeClr val="tx1"/>
-          </a:fontRef>
-        </p:style>
-      </p:cxnSp>
-      <p:cxnSp>
-        <p:nvCxnSpPr>
-          <p:cNvPr id="12" name="Straight Arrow Connector 11"/>
-          <p:cNvCxnSpPr>
-            <a:stCxn id="22" idx="2"/>
-            <a:endCxn id="8" idx="0"/>
-          </p:cNvCxnSpPr>
-          <p:nvPr/>
-        </p:nvCxnSpPr>
-        <p:spPr>
-          <a:xfrm>
-            <a:off x="6096000" y="4464685"/>
-            <a:ext cx="0" cy="629920"/>
+          <a:xfrm flipV="1">
+            <a:off x="6096000" y="2745105"/>
+            <a:ext cx="0" cy="630555"/>
           </a:xfrm>
           <a:prstGeom prst="straightConnector1">
             <a:avLst/>
@@ -5657,6 +5557,54 @@
           </a:fontRef>
         </p:style>
       </p:cxnSp>
+      <p:pic>
+        <p:nvPicPr>
+          <p:cNvPr id="9" name="Picture 8"/>
+          <p:cNvPicPr>
+            <a:picLocks noChangeAspect="1"/>
+          </p:cNvPicPr>
+          <p:nvPr/>
+        </p:nvPicPr>
+        <p:blipFill>
+          <a:blip r:embed="rId1"/>
+          <a:stretch>
+            <a:fillRect/>
+          </a:stretch>
+        </p:blipFill>
+        <p:spPr>
+          <a:xfrm>
+            <a:off x="4921885" y="4918710"/>
+            <a:ext cx="930275" cy="666750"/>
+          </a:xfrm>
+          <a:prstGeom prst="rect">
+            <a:avLst/>
+          </a:prstGeom>
+        </p:spPr>
+      </p:pic>
+      <p:pic>
+        <p:nvPicPr>
+          <p:cNvPr id="10" name="Picture 9"/>
+          <p:cNvPicPr>
+            <a:picLocks noChangeAspect="1"/>
+          </p:cNvPicPr>
+          <p:nvPr/>
+        </p:nvPicPr>
+        <p:blipFill>
+          <a:blip r:embed="rId2"/>
+          <a:stretch>
+            <a:fillRect/>
+          </a:stretch>
+        </p:blipFill>
+        <p:spPr>
+          <a:xfrm>
+            <a:off x="6390005" y="4907915"/>
+            <a:ext cx="710565" cy="678180"/>
+          </a:xfrm>
+          <a:prstGeom prst="rect">
+            <a:avLst/>
+          </a:prstGeom>
+        </p:spPr>
+      </p:pic>
     </p:spTree>
   </p:cSld>
   <p:clrMapOvr>
@@ -5701,7 +5649,7 @@
                 <a:latin typeface="SF Pro" charset="0"/>
                 <a:cs typeface="SF Pro" charset="0"/>
               </a:rPr>
-              <a:t>POD 3: the predictor</a:t>
+              <a:t>POD 3: the data ingestion</a:t>
             </a:r>
             <a:endParaRPr lang="en-US">
               <a:latin typeface="SF Pro" charset="0"/>
@@ -5997,6 +5945,468 @@
         </p:nvSpPr>
         <p:spPr>
           <a:xfrm>
+            <a:off x="4346575" y="3201670"/>
+            <a:ext cx="3498215" cy="1089025"/>
+          </a:xfrm>
+          <a:prstGeom prst="roundRect">
+            <a:avLst/>
+          </a:prstGeom>
+          <a:solidFill>
+            <a:schemeClr val="bg1">
+              <a:lumMod val="85000"/>
+            </a:schemeClr>
+          </a:solidFill>
+          <a:ln>
+            <a:noFill/>
+          </a:ln>
+        </p:spPr>
+        <p:style>
+          <a:lnRef idx="2">
+            <a:schemeClr val="accent1">
+              <a:shade val="50000"/>
+            </a:schemeClr>
+          </a:lnRef>
+          <a:fillRef idx="1">
+            <a:schemeClr val="accent1"/>
+          </a:fillRef>
+          <a:effectRef idx="0">
+            <a:schemeClr val="accent1"/>
+          </a:effectRef>
+          <a:fontRef idx="minor">
+            <a:schemeClr val="lt1"/>
+          </a:fontRef>
+        </p:style>
+        <p:txBody>
+          <a:bodyPr rtlCol="0" anchor="ctr"/>
+          <a:p>
+            <a:pPr algn="ctr"/>
+            <a:r>
+              <a:rPr lang="en-US" sz="2000" b="1">
+                <a:solidFill>
+                  <a:schemeClr val="accent1">
+                    <a:lumMod val="75000"/>
+                  </a:schemeClr>
+                </a:solidFill>
+                <a:latin typeface="Noto Sans Myanmar UI Black" panose="020B0A02040504020204" charset="0"/>
+                <a:cs typeface="Noto Sans Myanmar UI Black" panose="020B0A02040504020204" charset="0"/>
+              </a:rPr>
+              <a:t>data_ingestion_server</a:t>
+            </a:r>
+            <a:endParaRPr lang="en-US" sz="2000" b="1">
+              <a:solidFill>
+                <a:schemeClr val="accent1">
+                  <a:lumMod val="75000"/>
+                </a:schemeClr>
+              </a:solidFill>
+              <a:latin typeface="Noto Sans Myanmar UI Black" panose="020B0A02040504020204" charset="0"/>
+              <a:cs typeface="Noto Sans Myanmar UI Black" panose="020B0A02040504020204" charset="0"/>
+            </a:endParaRPr>
+          </a:p>
+          <a:p>
+            <a:pPr algn="ctr"/>
+            <a:r>
+              <a:rPr lang="en-US" sz="2000" b="1">
+                <a:solidFill>
+                  <a:schemeClr val="accent1">
+                    <a:lumMod val="75000"/>
+                  </a:schemeClr>
+                </a:solidFill>
+                <a:latin typeface="Noto Sans Myanmar UI Black" panose="020B0A02040504020204" charset="0"/>
+                <a:cs typeface="Noto Sans Myanmar UI Black" panose="020B0A02040504020204" charset="0"/>
+              </a:rPr>
+              <a:t> Docker Container</a:t>
+            </a:r>
+            <a:endParaRPr lang="en-US" sz="2000" b="1">
+              <a:solidFill>
+                <a:schemeClr val="accent1">
+                  <a:lumMod val="75000"/>
+                </a:schemeClr>
+              </a:solidFill>
+              <a:latin typeface="Noto Sans Myanmar UI Black" panose="020B0A02040504020204" charset="0"/>
+              <a:cs typeface="Noto Sans Myanmar UI Black" panose="020B0A02040504020204" charset="0"/>
+            </a:endParaRPr>
+          </a:p>
+        </p:txBody>
+      </p:sp>
+      <p:cxnSp>
+        <p:nvCxnSpPr>
+          <p:cNvPr id="26" name="Straight Arrow Connector 25"/>
+          <p:cNvCxnSpPr>
+            <a:stCxn id="6" idx="3"/>
+            <a:endCxn id="22" idx="1"/>
+          </p:cNvCxnSpPr>
+          <p:nvPr/>
+        </p:nvCxnSpPr>
+        <p:spPr>
+          <a:xfrm>
+            <a:off x="3698875" y="3737610"/>
+            <a:ext cx="647700" cy="8890"/>
+          </a:xfrm>
+          <a:prstGeom prst="straightConnector1">
+            <a:avLst/>
+          </a:prstGeom>
+          <a:ln w="25400">
+            <a:solidFill>
+              <a:srgbClr val="202020"/>
+            </a:solidFill>
+            <a:tailEnd type="arrow"/>
+          </a:ln>
+        </p:spPr>
+        <p:style>
+          <a:lnRef idx="1">
+            <a:schemeClr val="accent1"/>
+          </a:lnRef>
+          <a:fillRef idx="0">
+            <a:schemeClr val="accent1"/>
+          </a:fillRef>
+          <a:effectRef idx="0">
+            <a:schemeClr val="accent1"/>
+          </a:effectRef>
+          <a:fontRef idx="minor">
+            <a:schemeClr val="tx1"/>
+          </a:fontRef>
+        </p:style>
+      </p:cxnSp>
+    </p:spTree>
+  </p:cSld>
+  <p:clrMapOvr>
+    <a:masterClrMapping/>
+  </p:clrMapOvr>
+</p:sld>
+</file>
+
+<file path=ppt/slides/slide6.xml><?xml version="1.0" encoding="utf-8"?>
+<p:sld xmlns:a="http://schemas.openxmlformats.org/drawingml/2006/main" xmlns:r="http://schemas.openxmlformats.org/officeDocument/2006/relationships" xmlns:p="http://schemas.openxmlformats.org/presentationml/2006/main">
+  <p:cSld>
+    <p:spTree>
+      <p:nvGrpSpPr>
+        <p:cNvPr id="1" name=""/>
+        <p:cNvGrpSpPr/>
+        <p:nvPr/>
+      </p:nvGrpSpPr>
+      <p:grpSpPr/>
+      <p:sp>
+        <p:nvSpPr>
+          <p:cNvPr id="2" name="Title 1"/>
+          <p:cNvSpPr>
+            <a:spLocks noGrp="1"/>
+          </p:cNvSpPr>
+          <p:nvPr>
+            <p:ph type="ctrTitle"/>
+          </p:nvPr>
+        </p:nvSpPr>
+        <p:spPr>
+          <a:xfrm>
+            <a:off x="361950" y="480060"/>
+            <a:ext cx="11468100" cy="819785"/>
+          </a:xfrm>
+        </p:spPr>
+        <p:txBody>
+          <a:bodyPr>
+            <a:normAutofit fontScale="90000"/>
+          </a:bodyPr>
+          <a:p>
+            <a:r>
+              <a:rPr lang="en-US">
+                <a:latin typeface="SF Pro" charset="0"/>
+                <a:cs typeface="SF Pro" charset="0"/>
+              </a:rPr>
+              <a:t>POD 4: the predictor</a:t>
+            </a:r>
+            <a:endParaRPr lang="en-US">
+              <a:latin typeface="SF Pro" charset="0"/>
+              <a:cs typeface="SF Pro" charset="0"/>
+            </a:endParaRPr>
+          </a:p>
+        </p:txBody>
+      </p:sp>
+      <p:sp>
+        <p:nvSpPr>
+          <p:cNvPr id="4" name="Rounded Rectangle 3"/>
+          <p:cNvSpPr/>
+          <p:nvPr/>
+        </p:nvSpPr>
+        <p:spPr>
+          <a:xfrm>
+            <a:off x="3378835" y="1685925"/>
+            <a:ext cx="5433695" cy="4119880"/>
+          </a:xfrm>
+          <a:prstGeom prst="roundRect">
+            <a:avLst/>
+          </a:prstGeom>
+          <a:solidFill>
+            <a:schemeClr val="accent1">
+              <a:lumMod val="40000"/>
+              <a:lumOff val="60000"/>
+            </a:schemeClr>
+          </a:solidFill>
+          <a:ln w="25400"/>
+        </p:spPr>
+        <p:style>
+          <a:lnRef idx="2">
+            <a:schemeClr val="accent1">
+              <a:shade val="50000"/>
+            </a:schemeClr>
+          </a:lnRef>
+          <a:fillRef idx="1">
+            <a:schemeClr val="accent1"/>
+          </a:fillRef>
+          <a:effectRef idx="0">
+            <a:schemeClr val="accent1"/>
+          </a:effectRef>
+          <a:fontRef idx="minor">
+            <a:schemeClr val="lt1"/>
+          </a:fontRef>
+        </p:style>
+        <p:txBody>
+          <a:bodyPr rtlCol="0" anchor="ctr"/>
+          <a:p>
+            <a:pPr algn="ctr"/>
+            <a:endParaRPr lang="en-US"/>
+          </a:p>
+        </p:txBody>
+      </p:sp>
+      <p:pic>
+        <p:nvPicPr>
+          <p:cNvPr id="3" name="Picture 2"/>
+          <p:cNvPicPr>
+            <a:picLocks noChangeAspect="1"/>
+          </p:cNvPicPr>
+          <p:nvPr/>
+        </p:nvPicPr>
+        <p:blipFill>
+          <a:blip r:embed="rId1"/>
+          <a:stretch>
+            <a:fillRect/>
+          </a:stretch>
+        </p:blipFill>
+        <p:spPr>
+          <a:xfrm>
+            <a:off x="4921885" y="4918710"/>
+            <a:ext cx="930275" cy="666750"/>
+          </a:xfrm>
+          <a:prstGeom prst="rect">
+            <a:avLst/>
+          </a:prstGeom>
+        </p:spPr>
+      </p:pic>
+      <p:pic>
+        <p:nvPicPr>
+          <p:cNvPr id="5" name="Picture 4"/>
+          <p:cNvPicPr>
+            <a:picLocks noChangeAspect="1"/>
+          </p:cNvPicPr>
+          <p:nvPr/>
+        </p:nvPicPr>
+        <p:blipFill>
+          <a:blip r:embed="rId2"/>
+          <a:stretch>
+            <a:fillRect/>
+          </a:stretch>
+        </p:blipFill>
+        <p:spPr>
+          <a:xfrm>
+            <a:off x="6390005" y="4907915"/>
+            <a:ext cx="710565" cy="678180"/>
+          </a:xfrm>
+          <a:prstGeom prst="rect">
+            <a:avLst/>
+          </a:prstGeom>
+        </p:spPr>
+      </p:pic>
+      <p:sp>
+        <p:nvSpPr>
+          <p:cNvPr id="6" name="Rounded Rectangle 5"/>
+          <p:cNvSpPr/>
+          <p:nvPr/>
+        </p:nvSpPr>
+        <p:spPr>
+          <a:xfrm>
+            <a:off x="3137535" y="2566670"/>
+            <a:ext cx="561340" cy="2341245"/>
+          </a:xfrm>
+          <a:prstGeom prst="roundRect">
+            <a:avLst/>
+          </a:prstGeom>
+          <a:solidFill>
+            <a:schemeClr val="bg1"/>
+          </a:solidFill>
+          <a:ln w="25400">
+            <a:solidFill>
+              <a:schemeClr val="accent1">
+                <a:lumMod val="75000"/>
+              </a:schemeClr>
+            </a:solidFill>
+          </a:ln>
+        </p:spPr>
+        <p:style>
+          <a:lnRef idx="2">
+            <a:schemeClr val="accent1">
+              <a:shade val="50000"/>
+            </a:schemeClr>
+          </a:lnRef>
+          <a:fillRef idx="1">
+            <a:schemeClr val="accent1"/>
+          </a:fillRef>
+          <a:effectRef idx="0">
+            <a:schemeClr val="accent1"/>
+          </a:effectRef>
+          <a:fontRef idx="minor">
+            <a:schemeClr val="lt1"/>
+          </a:fontRef>
+        </p:style>
+        <p:txBody>
+          <a:bodyPr rtlCol="0" anchor="ctr"/>
+          <a:p>
+            <a:pPr algn="ctr"/>
+            <a:r>
+              <a:rPr lang="en-US">
+                <a:solidFill>
+                  <a:schemeClr val="accent1">
+                    <a:lumMod val="50000"/>
+                  </a:schemeClr>
+                </a:solidFill>
+              </a:rPr>
+              <a:t>S</a:t>
+            </a:r>
+            <a:endParaRPr lang="en-US">
+              <a:solidFill>
+                <a:schemeClr val="accent1">
+                  <a:lumMod val="50000"/>
+                </a:schemeClr>
+              </a:solidFill>
+            </a:endParaRPr>
+          </a:p>
+          <a:p>
+            <a:pPr algn="ctr"/>
+            <a:r>
+              <a:rPr lang="en-US">
+                <a:solidFill>
+                  <a:schemeClr val="accent1">
+                    <a:lumMod val="50000"/>
+                  </a:schemeClr>
+                </a:solidFill>
+              </a:rPr>
+              <a:t>E</a:t>
+            </a:r>
+            <a:endParaRPr lang="en-US">
+              <a:solidFill>
+                <a:schemeClr val="accent1">
+                  <a:lumMod val="50000"/>
+                </a:schemeClr>
+              </a:solidFill>
+            </a:endParaRPr>
+          </a:p>
+          <a:p>
+            <a:pPr algn="ctr"/>
+            <a:r>
+              <a:rPr lang="en-US">
+                <a:solidFill>
+                  <a:schemeClr val="accent1">
+                    <a:lumMod val="50000"/>
+                  </a:schemeClr>
+                </a:solidFill>
+              </a:rPr>
+              <a:t>R</a:t>
+            </a:r>
+            <a:endParaRPr lang="en-US">
+              <a:solidFill>
+                <a:schemeClr val="accent1">
+                  <a:lumMod val="50000"/>
+                </a:schemeClr>
+              </a:solidFill>
+            </a:endParaRPr>
+          </a:p>
+          <a:p>
+            <a:pPr algn="ctr"/>
+            <a:r>
+              <a:rPr lang="en-US">
+                <a:solidFill>
+                  <a:schemeClr val="accent1">
+                    <a:lumMod val="50000"/>
+                  </a:schemeClr>
+                </a:solidFill>
+              </a:rPr>
+              <a:t>V</a:t>
+            </a:r>
+            <a:endParaRPr lang="en-US">
+              <a:solidFill>
+                <a:schemeClr val="accent1">
+                  <a:lumMod val="50000"/>
+                </a:schemeClr>
+              </a:solidFill>
+            </a:endParaRPr>
+          </a:p>
+          <a:p>
+            <a:pPr algn="ctr"/>
+            <a:r>
+              <a:rPr lang="en-US">
+                <a:solidFill>
+                  <a:schemeClr val="accent1">
+                    <a:lumMod val="50000"/>
+                  </a:schemeClr>
+                </a:solidFill>
+              </a:rPr>
+              <a:t>I</a:t>
+            </a:r>
+            <a:endParaRPr lang="en-US">
+              <a:solidFill>
+                <a:schemeClr val="accent1">
+                  <a:lumMod val="50000"/>
+                </a:schemeClr>
+              </a:solidFill>
+            </a:endParaRPr>
+          </a:p>
+          <a:p>
+            <a:pPr algn="ctr"/>
+            <a:r>
+              <a:rPr lang="en-US">
+                <a:solidFill>
+                  <a:schemeClr val="accent1">
+                    <a:lumMod val="50000"/>
+                  </a:schemeClr>
+                </a:solidFill>
+              </a:rPr>
+              <a:t>C</a:t>
+            </a:r>
+            <a:endParaRPr lang="en-US">
+              <a:solidFill>
+                <a:schemeClr val="accent1">
+                  <a:lumMod val="50000"/>
+                </a:schemeClr>
+              </a:solidFill>
+            </a:endParaRPr>
+          </a:p>
+          <a:p>
+            <a:pPr algn="ctr"/>
+            <a:r>
+              <a:rPr lang="en-US">
+                <a:solidFill>
+                  <a:schemeClr val="accent1">
+                    <a:lumMod val="50000"/>
+                  </a:schemeClr>
+                </a:solidFill>
+              </a:rPr>
+              <a:t>E</a:t>
+            </a:r>
+            <a:endParaRPr lang="en-US">
+              <a:solidFill>
+                <a:schemeClr val="accent1">
+                  <a:lumMod val="50000"/>
+                </a:schemeClr>
+              </a:solidFill>
+            </a:endParaRPr>
+          </a:p>
+        </p:txBody>
+      </p:sp>
+      <p:sp>
+        <p:nvSpPr>
+          <p:cNvPr id="22" name="Rounded Rectangle 21"/>
+          <p:cNvSpPr/>
+          <p:nvPr/>
+        </p:nvSpPr>
+        <p:spPr>
+          <a:xfrm>
             <a:off x="4608195" y="3186430"/>
             <a:ext cx="2975610" cy="1089025"/>
           </a:xfrm>
@@ -6042,7 +6452,7 @@
                 <a:latin typeface="Noto Sans Myanmar UI Black" panose="020B0A02040504020204" charset="0"/>
                 <a:cs typeface="Noto Sans Myanmar UI Black" panose="020B0A02040504020204" charset="0"/>
               </a:rPr>
-              <a:t>Timex-predictor Docker Container</a:t>
+              <a:t>prediction_server Docker Container</a:t>
             </a:r>
             <a:endParaRPr lang="en-US" sz="2000" b="1">
               <a:solidFill>
